--- a/ood/ood.pptx
+++ b/ood/ood.pptx
@@ -2,12 +2,12 @@
 <file path=ppt/presentation.xml><?xml version="1.0" encoding="utf-8"?>
 <p:presentation xmlns:a="http://schemas.openxmlformats.org/drawingml/2006/main" xmlns:r="http://schemas.openxmlformats.org/officeDocument/2006/relationships" xmlns:p="http://schemas.openxmlformats.org/presentationml/2006/main" saveSubsetFonts="1">
   <p:sldMasterIdLst>
-    <p:sldMasterId id="2147483684" r:id="rId1"/>
+    <p:sldMasterId id="2147483696" r:id="rId1"/>
   </p:sldMasterIdLst>
   <p:sldIdLst>
     <p:sldId id="256" r:id="rId2"/>
   </p:sldIdLst>
-  <p:sldSz cx="12192000" cy="3240088"/>
+  <p:sldSz cx="12192000" cy="3438525"/>
   <p:notesSz cx="6858000" cy="9144000"/>
   <p:defaultTextStyle>
     <a:defPPr>
@@ -104,6 +104,11 @@
       </a:defRPr>
     </a:lvl9pPr>
   </p:defaultTextStyle>
+  <p:extLst>
+    <p:ext uri="{EFAFB233-063F-42B5-8137-9DF3F51BA10A}">
+      <p15:sldGuideLst xmlns:p15="http://schemas.microsoft.com/office/powerpoint/2012/main"/>
+    </p:ext>
+  </p:extLst>
 </p:presentation>
 </file>
 
@@ -136,15 +141,15 @@
         </p:nvSpPr>
         <p:spPr>
           <a:xfrm>
-            <a:off x="1524000" y="530264"/>
-            <a:ext cx="9144000" cy="1128031"/>
+            <a:off x="1524000" y="562740"/>
+            <a:ext cx="9144000" cy="1197116"/>
           </a:xfrm>
         </p:spPr>
         <p:txBody>
           <a:bodyPr anchor="b"/>
           <a:lstStyle>
             <a:lvl1pPr algn="ctr">
-              <a:defRPr sz="2835"/>
+              <a:defRPr sz="3008"/>
             </a:lvl1pPr>
           </a:lstStyle>
           <a:p>
@@ -168,8 +173,8 @@
         </p:nvSpPr>
         <p:spPr>
           <a:xfrm>
-            <a:off x="1524000" y="1701796"/>
-            <a:ext cx="9144000" cy="782271"/>
+            <a:off x="1524000" y="1806022"/>
+            <a:ext cx="9144000" cy="830181"/>
           </a:xfrm>
         </p:spPr>
         <p:txBody>
@@ -177,39 +182,39 @@
           <a:lstStyle>
             <a:lvl1pPr marL="0" indent="0" algn="ctr">
               <a:buNone/>
-              <a:defRPr sz="1134"/>
+              <a:defRPr sz="1203"/>
             </a:lvl1pPr>
-            <a:lvl2pPr marL="216027" indent="0" algn="ctr">
-              <a:buNone/>
-              <a:defRPr sz="945"/>
+            <a:lvl2pPr marL="229240" indent="0" algn="ctr">
+              <a:buNone/>
+              <a:defRPr sz="1003"/>
             </a:lvl2pPr>
-            <a:lvl3pPr marL="432054" indent="0" algn="ctr">
-              <a:buNone/>
-              <a:defRPr sz="851"/>
+            <a:lvl3pPr marL="458480" indent="0" algn="ctr">
+              <a:buNone/>
+              <a:defRPr sz="903"/>
             </a:lvl3pPr>
-            <a:lvl4pPr marL="648081" indent="0" algn="ctr">
-              <a:buNone/>
-              <a:defRPr sz="756"/>
+            <a:lvl4pPr marL="687720" indent="0" algn="ctr">
+              <a:buNone/>
+              <a:defRPr sz="802"/>
             </a:lvl4pPr>
-            <a:lvl5pPr marL="864108" indent="0" algn="ctr">
-              <a:buNone/>
-              <a:defRPr sz="756"/>
+            <a:lvl5pPr marL="916960" indent="0" algn="ctr">
+              <a:buNone/>
+              <a:defRPr sz="802"/>
             </a:lvl5pPr>
-            <a:lvl6pPr marL="1080135" indent="0" algn="ctr">
-              <a:buNone/>
-              <a:defRPr sz="756"/>
+            <a:lvl6pPr marL="1146200" indent="0" algn="ctr">
+              <a:buNone/>
+              <a:defRPr sz="802"/>
             </a:lvl6pPr>
-            <a:lvl7pPr marL="1296162" indent="0" algn="ctr">
-              <a:buNone/>
-              <a:defRPr sz="756"/>
+            <a:lvl7pPr marL="1375440" indent="0" algn="ctr">
+              <a:buNone/>
+              <a:defRPr sz="802"/>
             </a:lvl7pPr>
-            <a:lvl8pPr marL="1512189" indent="0" algn="ctr">
-              <a:buNone/>
-              <a:defRPr sz="756"/>
+            <a:lvl8pPr marL="1604681" indent="0" algn="ctr">
+              <a:buNone/>
+              <a:defRPr sz="802"/>
             </a:lvl8pPr>
-            <a:lvl9pPr marL="1728216" indent="0" algn="ctr">
-              <a:buNone/>
-              <a:defRPr sz="756"/>
+            <a:lvl9pPr marL="1833921" indent="0" algn="ctr">
+              <a:buNone/>
+              <a:defRPr sz="802"/>
             </a:lvl9pPr>
           </a:lstStyle>
           <a:p>
@@ -238,7 +243,7 @@
           <a:p>
             <a:fld id="{16C3BE31-E56C-4DBA-A8C3-091FF68120F9}" type="datetimeFigureOut">
               <a:rPr lang="zh-CN" altLang="en-US" smtClean="0"/>
-              <a:t>2022/5/19</a:t>
+              <a:t>2022/5/30</a:t>
             </a:fld>
             <a:endParaRPr lang="zh-CN" altLang="en-US"/>
           </a:p>
@@ -289,7 +294,7 @@
     </p:spTree>
     <p:extLst>
       <p:ext uri="{BB962C8B-B14F-4D97-AF65-F5344CB8AC3E}">
-        <p14:creationId xmlns:p14="http://schemas.microsoft.com/office/powerpoint/2010/main" val="995923441"/>
+        <p14:creationId xmlns:p14="http://schemas.microsoft.com/office/powerpoint/2010/main" val="3572216114"/>
       </p:ext>
     </p:extLst>
   </p:cSld>
@@ -408,7 +413,7 @@
           <a:p>
             <a:fld id="{16C3BE31-E56C-4DBA-A8C3-091FF68120F9}" type="datetimeFigureOut">
               <a:rPr lang="zh-CN" altLang="en-US" smtClean="0"/>
-              <a:t>2022/5/19</a:t>
+              <a:t>2022/5/30</a:t>
             </a:fld>
             <a:endParaRPr lang="zh-CN" altLang="en-US"/>
           </a:p>
@@ -459,7 +464,7 @@
     </p:spTree>
     <p:extLst>
       <p:ext uri="{BB962C8B-B14F-4D97-AF65-F5344CB8AC3E}">
-        <p14:creationId xmlns:p14="http://schemas.microsoft.com/office/powerpoint/2010/main" val="2885312900"/>
+        <p14:creationId xmlns:p14="http://schemas.microsoft.com/office/powerpoint/2010/main" val="4261351"/>
       </p:ext>
     </p:extLst>
   </p:cSld>
@@ -498,8 +503,8 @@
         </p:nvSpPr>
         <p:spPr>
           <a:xfrm>
-            <a:off x="8724900" y="172505"/>
-            <a:ext cx="2628900" cy="2745825"/>
+            <a:off x="8724900" y="183070"/>
+            <a:ext cx="2628900" cy="2913991"/>
           </a:xfrm>
         </p:spPr>
         <p:txBody>
@@ -526,8 +531,8 @@
         </p:nvSpPr>
         <p:spPr>
           <a:xfrm>
-            <a:off x="838200" y="172505"/>
-            <a:ext cx="7734300" cy="2745825"/>
+            <a:off x="838200" y="183070"/>
+            <a:ext cx="7734300" cy="2913991"/>
           </a:xfrm>
         </p:spPr>
         <p:txBody>
@@ -588,7 +593,7 @@
           <a:p>
             <a:fld id="{16C3BE31-E56C-4DBA-A8C3-091FF68120F9}" type="datetimeFigureOut">
               <a:rPr lang="zh-CN" altLang="en-US" smtClean="0"/>
-              <a:t>2022/5/19</a:t>
+              <a:t>2022/5/30</a:t>
             </a:fld>
             <a:endParaRPr lang="zh-CN" altLang="en-US"/>
           </a:p>
@@ -639,7 +644,7 @@
     </p:spTree>
     <p:extLst>
       <p:ext uri="{BB962C8B-B14F-4D97-AF65-F5344CB8AC3E}">
-        <p14:creationId xmlns:p14="http://schemas.microsoft.com/office/powerpoint/2010/main" val="654177298"/>
+        <p14:creationId xmlns:p14="http://schemas.microsoft.com/office/powerpoint/2010/main" val="3945746686"/>
       </p:ext>
     </p:extLst>
   </p:cSld>
@@ -758,7 +763,7 @@
           <a:p>
             <a:fld id="{16C3BE31-E56C-4DBA-A8C3-091FF68120F9}" type="datetimeFigureOut">
               <a:rPr lang="zh-CN" altLang="en-US" smtClean="0"/>
-              <a:t>2022/5/19</a:t>
+              <a:t>2022/5/30</a:t>
             </a:fld>
             <a:endParaRPr lang="zh-CN" altLang="en-US"/>
           </a:p>
@@ -809,7 +814,7 @@
     </p:spTree>
     <p:extLst>
       <p:ext uri="{BB962C8B-B14F-4D97-AF65-F5344CB8AC3E}">
-        <p14:creationId xmlns:p14="http://schemas.microsoft.com/office/powerpoint/2010/main" val="3427677290"/>
+        <p14:creationId xmlns:p14="http://schemas.microsoft.com/office/powerpoint/2010/main" val="2288050191"/>
       </p:ext>
     </p:extLst>
   </p:cSld>
@@ -848,15 +853,15 @@
         </p:nvSpPr>
         <p:spPr>
           <a:xfrm>
-            <a:off x="831850" y="807773"/>
-            <a:ext cx="10515600" cy="1347786"/>
+            <a:off x="831850" y="857244"/>
+            <a:ext cx="10515600" cy="1430331"/>
           </a:xfrm>
         </p:spPr>
         <p:txBody>
           <a:bodyPr anchor="b"/>
           <a:lstStyle>
             <a:lvl1pPr>
-              <a:defRPr sz="2835"/>
+              <a:defRPr sz="3008"/>
             </a:lvl1pPr>
           </a:lstStyle>
           <a:p>
@@ -880,8 +885,8 @@
         </p:nvSpPr>
         <p:spPr>
           <a:xfrm>
-            <a:off x="831850" y="2168309"/>
-            <a:ext cx="10515600" cy="708769"/>
+            <a:off x="831850" y="2301106"/>
+            <a:ext cx="10515600" cy="752177"/>
           </a:xfrm>
         </p:spPr>
         <p:txBody>
@@ -889,7 +894,7 @@
           <a:lstStyle>
             <a:lvl1pPr marL="0" indent="0">
               <a:buNone/>
-              <a:defRPr sz="1134">
+              <a:defRPr sz="1203">
                 <a:solidFill>
                   <a:schemeClr val="tx1">
                     <a:tint val="75000"/>
@@ -897,9 +902,9 @@
                 </a:solidFill>
               </a:defRPr>
             </a:lvl1pPr>
-            <a:lvl2pPr marL="216027" indent="0">
-              <a:buNone/>
-              <a:defRPr sz="945">
+            <a:lvl2pPr marL="229240" indent="0">
+              <a:buNone/>
+              <a:defRPr sz="1003">
                 <a:solidFill>
                   <a:schemeClr val="tx1">
                     <a:tint val="75000"/>
@@ -907,9 +912,9 @@
                 </a:solidFill>
               </a:defRPr>
             </a:lvl2pPr>
-            <a:lvl3pPr marL="432054" indent="0">
-              <a:buNone/>
-              <a:defRPr sz="851">
+            <a:lvl3pPr marL="458480" indent="0">
+              <a:buNone/>
+              <a:defRPr sz="903">
                 <a:solidFill>
                   <a:schemeClr val="tx1">
                     <a:tint val="75000"/>
@@ -917,9 +922,9 @@
                 </a:solidFill>
               </a:defRPr>
             </a:lvl3pPr>
-            <a:lvl4pPr marL="648081" indent="0">
-              <a:buNone/>
-              <a:defRPr sz="756">
+            <a:lvl4pPr marL="687720" indent="0">
+              <a:buNone/>
+              <a:defRPr sz="802">
                 <a:solidFill>
                   <a:schemeClr val="tx1">
                     <a:tint val="75000"/>
@@ -927,9 +932,9 @@
                 </a:solidFill>
               </a:defRPr>
             </a:lvl4pPr>
-            <a:lvl5pPr marL="864108" indent="0">
-              <a:buNone/>
-              <a:defRPr sz="756">
+            <a:lvl5pPr marL="916960" indent="0">
+              <a:buNone/>
+              <a:defRPr sz="802">
                 <a:solidFill>
                   <a:schemeClr val="tx1">
                     <a:tint val="75000"/>
@@ -937,9 +942,9 @@
                 </a:solidFill>
               </a:defRPr>
             </a:lvl5pPr>
-            <a:lvl6pPr marL="1080135" indent="0">
-              <a:buNone/>
-              <a:defRPr sz="756">
+            <a:lvl6pPr marL="1146200" indent="0">
+              <a:buNone/>
+              <a:defRPr sz="802">
                 <a:solidFill>
                   <a:schemeClr val="tx1">
                     <a:tint val="75000"/>
@@ -947,9 +952,9 @@
                 </a:solidFill>
               </a:defRPr>
             </a:lvl6pPr>
-            <a:lvl7pPr marL="1296162" indent="0">
-              <a:buNone/>
-              <a:defRPr sz="756">
+            <a:lvl7pPr marL="1375440" indent="0">
+              <a:buNone/>
+              <a:defRPr sz="802">
                 <a:solidFill>
                   <a:schemeClr val="tx1">
                     <a:tint val="75000"/>
@@ -957,9 +962,9 @@
                 </a:solidFill>
               </a:defRPr>
             </a:lvl7pPr>
-            <a:lvl8pPr marL="1512189" indent="0">
-              <a:buNone/>
-              <a:defRPr sz="756">
+            <a:lvl8pPr marL="1604681" indent="0">
+              <a:buNone/>
+              <a:defRPr sz="802">
                 <a:solidFill>
                   <a:schemeClr val="tx1">
                     <a:tint val="75000"/>
@@ -967,9 +972,9 @@
                 </a:solidFill>
               </a:defRPr>
             </a:lvl8pPr>
-            <a:lvl9pPr marL="1728216" indent="0">
-              <a:buNone/>
-              <a:defRPr sz="756">
+            <a:lvl9pPr marL="1833921" indent="0">
+              <a:buNone/>
+              <a:defRPr sz="802">
                 <a:solidFill>
                   <a:schemeClr val="tx1">
                     <a:tint val="75000"/>
@@ -1004,7 +1009,7 @@
           <a:p>
             <a:fld id="{16C3BE31-E56C-4DBA-A8C3-091FF68120F9}" type="datetimeFigureOut">
               <a:rPr lang="zh-CN" altLang="en-US" smtClean="0"/>
-              <a:t>2022/5/19</a:t>
+              <a:t>2022/5/30</a:t>
             </a:fld>
             <a:endParaRPr lang="zh-CN" altLang="en-US"/>
           </a:p>
@@ -1055,7 +1060,7 @@
     </p:spTree>
     <p:extLst>
       <p:ext uri="{BB962C8B-B14F-4D97-AF65-F5344CB8AC3E}">
-        <p14:creationId xmlns:p14="http://schemas.microsoft.com/office/powerpoint/2010/main" val="222566831"/>
+        <p14:creationId xmlns:p14="http://schemas.microsoft.com/office/powerpoint/2010/main" val="2614494550"/>
       </p:ext>
     </p:extLst>
   </p:cSld>
@@ -1117,8 +1122,8 @@
         </p:nvSpPr>
         <p:spPr>
           <a:xfrm>
-            <a:off x="838200" y="862523"/>
-            <a:ext cx="5181600" cy="2055806"/>
+            <a:off x="838200" y="915348"/>
+            <a:ext cx="5181600" cy="2181713"/>
           </a:xfrm>
         </p:spPr>
         <p:txBody>
@@ -1174,8 +1179,8 @@
         </p:nvSpPr>
         <p:spPr>
           <a:xfrm>
-            <a:off x="6172200" y="862523"/>
-            <a:ext cx="5181600" cy="2055806"/>
+            <a:off x="6172200" y="915348"/>
+            <a:ext cx="5181600" cy="2181713"/>
           </a:xfrm>
         </p:spPr>
         <p:txBody>
@@ -1236,7 +1241,7 @@
           <a:p>
             <a:fld id="{16C3BE31-E56C-4DBA-A8C3-091FF68120F9}" type="datetimeFigureOut">
               <a:rPr lang="zh-CN" altLang="en-US" smtClean="0"/>
-              <a:t>2022/5/19</a:t>
+              <a:t>2022/5/30</a:t>
             </a:fld>
             <a:endParaRPr lang="zh-CN" altLang="en-US"/>
           </a:p>
@@ -1287,7 +1292,7 @@
     </p:spTree>
     <p:extLst>
       <p:ext uri="{BB962C8B-B14F-4D97-AF65-F5344CB8AC3E}">
-        <p14:creationId xmlns:p14="http://schemas.microsoft.com/office/powerpoint/2010/main" val="1003643868"/>
+        <p14:creationId xmlns:p14="http://schemas.microsoft.com/office/powerpoint/2010/main" val="3945987954"/>
       </p:ext>
     </p:extLst>
   </p:cSld>
@@ -1326,8 +1331,8 @@
         </p:nvSpPr>
         <p:spPr>
           <a:xfrm>
-            <a:off x="839788" y="172505"/>
-            <a:ext cx="10515600" cy="626267"/>
+            <a:off x="839788" y="183070"/>
+            <a:ext cx="10515600" cy="664623"/>
           </a:xfrm>
         </p:spPr>
         <p:txBody>
@@ -1354,8 +1359,8 @@
         </p:nvSpPr>
         <p:spPr>
           <a:xfrm>
-            <a:off x="839789" y="794272"/>
-            <a:ext cx="5157787" cy="389260"/>
+            <a:off x="839789" y="842917"/>
+            <a:ext cx="5157787" cy="413100"/>
           </a:xfrm>
         </p:spPr>
         <p:txBody>
@@ -1363,39 +1368,39 @@
           <a:lstStyle>
             <a:lvl1pPr marL="0" indent="0">
               <a:buNone/>
-              <a:defRPr sz="1134" b="1"/>
+              <a:defRPr sz="1203" b="1"/>
             </a:lvl1pPr>
-            <a:lvl2pPr marL="216027" indent="0">
-              <a:buNone/>
-              <a:defRPr sz="945" b="1"/>
+            <a:lvl2pPr marL="229240" indent="0">
+              <a:buNone/>
+              <a:defRPr sz="1003" b="1"/>
             </a:lvl2pPr>
-            <a:lvl3pPr marL="432054" indent="0">
-              <a:buNone/>
-              <a:defRPr sz="851" b="1"/>
+            <a:lvl3pPr marL="458480" indent="0">
+              <a:buNone/>
+              <a:defRPr sz="903" b="1"/>
             </a:lvl3pPr>
-            <a:lvl4pPr marL="648081" indent="0">
-              <a:buNone/>
-              <a:defRPr sz="756" b="1"/>
+            <a:lvl4pPr marL="687720" indent="0">
+              <a:buNone/>
+              <a:defRPr sz="802" b="1"/>
             </a:lvl4pPr>
-            <a:lvl5pPr marL="864108" indent="0">
-              <a:buNone/>
-              <a:defRPr sz="756" b="1"/>
+            <a:lvl5pPr marL="916960" indent="0">
+              <a:buNone/>
+              <a:defRPr sz="802" b="1"/>
             </a:lvl5pPr>
-            <a:lvl6pPr marL="1080135" indent="0">
-              <a:buNone/>
-              <a:defRPr sz="756" b="1"/>
+            <a:lvl6pPr marL="1146200" indent="0">
+              <a:buNone/>
+              <a:defRPr sz="802" b="1"/>
             </a:lvl6pPr>
-            <a:lvl7pPr marL="1296162" indent="0">
-              <a:buNone/>
-              <a:defRPr sz="756" b="1"/>
+            <a:lvl7pPr marL="1375440" indent="0">
+              <a:buNone/>
+              <a:defRPr sz="802" b="1"/>
             </a:lvl7pPr>
-            <a:lvl8pPr marL="1512189" indent="0">
-              <a:buNone/>
-              <a:defRPr sz="756" b="1"/>
+            <a:lvl8pPr marL="1604681" indent="0">
+              <a:buNone/>
+              <a:defRPr sz="802" b="1"/>
             </a:lvl8pPr>
-            <a:lvl9pPr marL="1728216" indent="0">
-              <a:buNone/>
-              <a:defRPr sz="756" b="1"/>
+            <a:lvl9pPr marL="1833921" indent="0">
+              <a:buNone/>
+              <a:defRPr sz="802" b="1"/>
             </a:lvl9pPr>
           </a:lstStyle>
           <a:p>
@@ -1419,8 +1424,8 @@
         </p:nvSpPr>
         <p:spPr>
           <a:xfrm>
-            <a:off x="839789" y="1183532"/>
-            <a:ext cx="5157787" cy="1740798"/>
+            <a:off x="839789" y="1256017"/>
+            <a:ext cx="5157787" cy="1847411"/>
           </a:xfrm>
         </p:spPr>
         <p:txBody>
@@ -1476,8 +1481,8 @@
         </p:nvSpPr>
         <p:spPr>
           <a:xfrm>
-            <a:off x="6172200" y="794272"/>
-            <a:ext cx="5183188" cy="389260"/>
+            <a:off x="6172200" y="842917"/>
+            <a:ext cx="5183188" cy="413100"/>
           </a:xfrm>
         </p:spPr>
         <p:txBody>
@@ -1485,39 +1490,39 @@
           <a:lstStyle>
             <a:lvl1pPr marL="0" indent="0">
               <a:buNone/>
-              <a:defRPr sz="1134" b="1"/>
+              <a:defRPr sz="1203" b="1"/>
             </a:lvl1pPr>
-            <a:lvl2pPr marL="216027" indent="0">
-              <a:buNone/>
-              <a:defRPr sz="945" b="1"/>
+            <a:lvl2pPr marL="229240" indent="0">
+              <a:buNone/>
+              <a:defRPr sz="1003" b="1"/>
             </a:lvl2pPr>
-            <a:lvl3pPr marL="432054" indent="0">
-              <a:buNone/>
-              <a:defRPr sz="851" b="1"/>
+            <a:lvl3pPr marL="458480" indent="0">
+              <a:buNone/>
+              <a:defRPr sz="903" b="1"/>
             </a:lvl3pPr>
-            <a:lvl4pPr marL="648081" indent="0">
-              <a:buNone/>
-              <a:defRPr sz="756" b="1"/>
+            <a:lvl4pPr marL="687720" indent="0">
+              <a:buNone/>
+              <a:defRPr sz="802" b="1"/>
             </a:lvl4pPr>
-            <a:lvl5pPr marL="864108" indent="0">
-              <a:buNone/>
-              <a:defRPr sz="756" b="1"/>
+            <a:lvl5pPr marL="916960" indent="0">
+              <a:buNone/>
+              <a:defRPr sz="802" b="1"/>
             </a:lvl5pPr>
-            <a:lvl6pPr marL="1080135" indent="0">
-              <a:buNone/>
-              <a:defRPr sz="756" b="1"/>
+            <a:lvl6pPr marL="1146200" indent="0">
+              <a:buNone/>
+              <a:defRPr sz="802" b="1"/>
             </a:lvl6pPr>
-            <a:lvl7pPr marL="1296162" indent="0">
-              <a:buNone/>
-              <a:defRPr sz="756" b="1"/>
+            <a:lvl7pPr marL="1375440" indent="0">
+              <a:buNone/>
+              <a:defRPr sz="802" b="1"/>
             </a:lvl7pPr>
-            <a:lvl8pPr marL="1512189" indent="0">
-              <a:buNone/>
-              <a:defRPr sz="756" b="1"/>
+            <a:lvl8pPr marL="1604681" indent="0">
+              <a:buNone/>
+              <a:defRPr sz="802" b="1"/>
             </a:lvl8pPr>
-            <a:lvl9pPr marL="1728216" indent="0">
-              <a:buNone/>
-              <a:defRPr sz="756" b="1"/>
+            <a:lvl9pPr marL="1833921" indent="0">
+              <a:buNone/>
+              <a:defRPr sz="802" b="1"/>
             </a:lvl9pPr>
           </a:lstStyle>
           <a:p>
@@ -1541,8 +1546,8 @@
         </p:nvSpPr>
         <p:spPr>
           <a:xfrm>
-            <a:off x="6172200" y="1183532"/>
-            <a:ext cx="5183188" cy="1740798"/>
+            <a:off x="6172200" y="1256017"/>
+            <a:ext cx="5183188" cy="1847411"/>
           </a:xfrm>
         </p:spPr>
         <p:txBody>
@@ -1603,7 +1608,7 @@
           <a:p>
             <a:fld id="{16C3BE31-E56C-4DBA-A8C3-091FF68120F9}" type="datetimeFigureOut">
               <a:rPr lang="zh-CN" altLang="en-US" smtClean="0"/>
-              <a:t>2022/5/19</a:t>
+              <a:t>2022/5/30</a:t>
             </a:fld>
             <a:endParaRPr lang="zh-CN" altLang="en-US"/>
           </a:p>
@@ -1654,7 +1659,7 @@
     </p:spTree>
     <p:extLst>
       <p:ext uri="{BB962C8B-B14F-4D97-AF65-F5344CB8AC3E}">
-        <p14:creationId xmlns:p14="http://schemas.microsoft.com/office/powerpoint/2010/main" val="3339247336"/>
+        <p14:creationId xmlns:p14="http://schemas.microsoft.com/office/powerpoint/2010/main" val="2513605413"/>
       </p:ext>
     </p:extLst>
   </p:cSld>
@@ -1721,7 +1726,7 @@
           <a:p>
             <a:fld id="{16C3BE31-E56C-4DBA-A8C3-091FF68120F9}" type="datetimeFigureOut">
               <a:rPr lang="zh-CN" altLang="en-US" smtClean="0"/>
-              <a:t>2022/5/19</a:t>
+              <a:t>2022/5/30</a:t>
             </a:fld>
             <a:endParaRPr lang="zh-CN" altLang="en-US"/>
           </a:p>
@@ -1772,7 +1777,7 @@
     </p:spTree>
     <p:extLst>
       <p:ext uri="{BB962C8B-B14F-4D97-AF65-F5344CB8AC3E}">
-        <p14:creationId xmlns:p14="http://schemas.microsoft.com/office/powerpoint/2010/main" val="325569315"/>
+        <p14:creationId xmlns:p14="http://schemas.microsoft.com/office/powerpoint/2010/main" val="2082191179"/>
       </p:ext>
     </p:extLst>
   </p:cSld>
@@ -1816,7 +1821,7 @@
           <a:p>
             <a:fld id="{16C3BE31-E56C-4DBA-A8C3-091FF68120F9}" type="datetimeFigureOut">
               <a:rPr lang="zh-CN" altLang="en-US" smtClean="0"/>
-              <a:t>2022/5/19</a:t>
+              <a:t>2022/5/30</a:t>
             </a:fld>
             <a:endParaRPr lang="zh-CN" altLang="en-US"/>
           </a:p>
@@ -1867,7 +1872,7 @@
     </p:spTree>
     <p:extLst>
       <p:ext uri="{BB962C8B-B14F-4D97-AF65-F5344CB8AC3E}">
-        <p14:creationId xmlns:p14="http://schemas.microsoft.com/office/powerpoint/2010/main" val="1170306888"/>
+        <p14:creationId xmlns:p14="http://schemas.microsoft.com/office/powerpoint/2010/main" val="145558932"/>
       </p:ext>
     </p:extLst>
   </p:cSld>
@@ -1906,15 +1911,15 @@
         </p:nvSpPr>
         <p:spPr>
           <a:xfrm>
-            <a:off x="839789" y="216006"/>
-            <a:ext cx="3932237" cy="756021"/>
+            <a:off x="839789" y="229235"/>
+            <a:ext cx="3932237" cy="802323"/>
           </a:xfrm>
         </p:spPr>
         <p:txBody>
           <a:bodyPr anchor="b"/>
           <a:lstStyle>
             <a:lvl1pPr>
-              <a:defRPr sz="1512"/>
+              <a:defRPr sz="1604"/>
             </a:lvl1pPr>
           </a:lstStyle>
           <a:p>
@@ -1938,39 +1943,39 @@
         </p:nvSpPr>
         <p:spPr>
           <a:xfrm>
-            <a:off x="5183188" y="466513"/>
-            <a:ext cx="6172200" cy="2302563"/>
+            <a:off x="5183188" y="495084"/>
+            <a:ext cx="6172200" cy="2443581"/>
           </a:xfrm>
         </p:spPr>
         <p:txBody>
           <a:bodyPr/>
           <a:lstStyle>
             <a:lvl1pPr>
-              <a:defRPr sz="1512"/>
+              <a:defRPr sz="1604"/>
             </a:lvl1pPr>
             <a:lvl2pPr>
-              <a:defRPr sz="1323"/>
+              <a:defRPr sz="1404"/>
             </a:lvl2pPr>
             <a:lvl3pPr>
-              <a:defRPr sz="1134"/>
+              <a:defRPr sz="1203"/>
             </a:lvl3pPr>
             <a:lvl4pPr>
-              <a:defRPr sz="945"/>
+              <a:defRPr sz="1003"/>
             </a:lvl4pPr>
             <a:lvl5pPr>
-              <a:defRPr sz="945"/>
+              <a:defRPr sz="1003"/>
             </a:lvl5pPr>
             <a:lvl6pPr>
-              <a:defRPr sz="945"/>
+              <a:defRPr sz="1003"/>
             </a:lvl6pPr>
             <a:lvl7pPr>
-              <a:defRPr sz="945"/>
+              <a:defRPr sz="1003"/>
             </a:lvl7pPr>
             <a:lvl8pPr>
-              <a:defRPr sz="945"/>
+              <a:defRPr sz="1003"/>
             </a:lvl8pPr>
             <a:lvl9pPr>
-              <a:defRPr sz="945"/>
+              <a:defRPr sz="1003"/>
             </a:lvl9pPr>
           </a:lstStyle>
           <a:p>
@@ -2023,8 +2028,8 @@
         </p:nvSpPr>
         <p:spPr>
           <a:xfrm>
-            <a:off x="839789" y="972026"/>
-            <a:ext cx="3932237" cy="1800799"/>
+            <a:off x="839789" y="1031557"/>
+            <a:ext cx="3932237" cy="1911088"/>
           </a:xfrm>
         </p:spPr>
         <p:txBody>
@@ -2032,39 +2037,39 @@
           <a:lstStyle>
             <a:lvl1pPr marL="0" indent="0">
               <a:buNone/>
-              <a:defRPr sz="756"/>
+              <a:defRPr sz="802"/>
             </a:lvl1pPr>
-            <a:lvl2pPr marL="216027" indent="0">
-              <a:buNone/>
-              <a:defRPr sz="662"/>
+            <a:lvl2pPr marL="229240" indent="0">
+              <a:buNone/>
+              <a:defRPr sz="702"/>
             </a:lvl2pPr>
-            <a:lvl3pPr marL="432054" indent="0">
-              <a:buNone/>
-              <a:defRPr sz="567"/>
+            <a:lvl3pPr marL="458480" indent="0">
+              <a:buNone/>
+              <a:defRPr sz="602"/>
             </a:lvl3pPr>
-            <a:lvl4pPr marL="648081" indent="0">
-              <a:buNone/>
-              <a:defRPr sz="472"/>
+            <a:lvl4pPr marL="687720" indent="0">
+              <a:buNone/>
+              <a:defRPr sz="501"/>
             </a:lvl4pPr>
-            <a:lvl5pPr marL="864108" indent="0">
-              <a:buNone/>
-              <a:defRPr sz="472"/>
+            <a:lvl5pPr marL="916960" indent="0">
+              <a:buNone/>
+              <a:defRPr sz="501"/>
             </a:lvl5pPr>
-            <a:lvl6pPr marL="1080135" indent="0">
-              <a:buNone/>
-              <a:defRPr sz="472"/>
+            <a:lvl6pPr marL="1146200" indent="0">
+              <a:buNone/>
+              <a:defRPr sz="501"/>
             </a:lvl6pPr>
-            <a:lvl7pPr marL="1296162" indent="0">
-              <a:buNone/>
-              <a:defRPr sz="472"/>
+            <a:lvl7pPr marL="1375440" indent="0">
+              <a:buNone/>
+              <a:defRPr sz="501"/>
             </a:lvl7pPr>
-            <a:lvl8pPr marL="1512189" indent="0">
-              <a:buNone/>
-              <a:defRPr sz="472"/>
+            <a:lvl8pPr marL="1604681" indent="0">
+              <a:buNone/>
+              <a:defRPr sz="501"/>
             </a:lvl8pPr>
-            <a:lvl9pPr marL="1728216" indent="0">
-              <a:buNone/>
-              <a:defRPr sz="472"/>
+            <a:lvl9pPr marL="1833921" indent="0">
+              <a:buNone/>
+              <a:defRPr sz="501"/>
             </a:lvl9pPr>
           </a:lstStyle>
           <a:p>
@@ -2093,7 +2098,7 @@
           <a:p>
             <a:fld id="{16C3BE31-E56C-4DBA-A8C3-091FF68120F9}" type="datetimeFigureOut">
               <a:rPr lang="zh-CN" altLang="en-US" smtClean="0"/>
-              <a:t>2022/5/19</a:t>
+              <a:t>2022/5/30</a:t>
             </a:fld>
             <a:endParaRPr lang="zh-CN" altLang="en-US"/>
           </a:p>
@@ -2144,7 +2149,7 @@
     </p:spTree>
     <p:extLst>
       <p:ext uri="{BB962C8B-B14F-4D97-AF65-F5344CB8AC3E}">
-        <p14:creationId xmlns:p14="http://schemas.microsoft.com/office/powerpoint/2010/main" val="161649912"/>
+        <p14:creationId xmlns:p14="http://schemas.microsoft.com/office/powerpoint/2010/main" val="2068636177"/>
       </p:ext>
     </p:extLst>
   </p:cSld>
@@ -2183,15 +2188,15 @@
         </p:nvSpPr>
         <p:spPr>
           <a:xfrm>
-            <a:off x="839789" y="216006"/>
-            <a:ext cx="3932237" cy="756021"/>
+            <a:off x="839789" y="229235"/>
+            <a:ext cx="3932237" cy="802323"/>
           </a:xfrm>
         </p:spPr>
         <p:txBody>
           <a:bodyPr anchor="b"/>
           <a:lstStyle>
             <a:lvl1pPr>
-              <a:defRPr sz="1512"/>
+              <a:defRPr sz="1604"/>
             </a:lvl1pPr>
           </a:lstStyle>
           <a:p>
@@ -2215,8 +2220,8 @@
         </p:nvSpPr>
         <p:spPr>
           <a:xfrm>
-            <a:off x="5183188" y="466513"/>
-            <a:ext cx="6172200" cy="2302563"/>
+            <a:off x="5183188" y="495084"/>
+            <a:ext cx="6172200" cy="2443581"/>
           </a:xfrm>
         </p:spPr>
         <p:txBody>
@@ -2224,39 +2229,39 @@
           <a:lstStyle>
             <a:lvl1pPr marL="0" indent="0">
               <a:buNone/>
-              <a:defRPr sz="1512"/>
+              <a:defRPr sz="1604"/>
             </a:lvl1pPr>
-            <a:lvl2pPr marL="216027" indent="0">
-              <a:buNone/>
-              <a:defRPr sz="1323"/>
+            <a:lvl2pPr marL="229240" indent="0">
+              <a:buNone/>
+              <a:defRPr sz="1404"/>
             </a:lvl2pPr>
-            <a:lvl3pPr marL="432054" indent="0">
-              <a:buNone/>
-              <a:defRPr sz="1134"/>
+            <a:lvl3pPr marL="458480" indent="0">
+              <a:buNone/>
+              <a:defRPr sz="1203"/>
             </a:lvl3pPr>
-            <a:lvl4pPr marL="648081" indent="0">
-              <a:buNone/>
-              <a:defRPr sz="945"/>
+            <a:lvl4pPr marL="687720" indent="0">
+              <a:buNone/>
+              <a:defRPr sz="1003"/>
             </a:lvl4pPr>
-            <a:lvl5pPr marL="864108" indent="0">
-              <a:buNone/>
-              <a:defRPr sz="945"/>
+            <a:lvl5pPr marL="916960" indent="0">
+              <a:buNone/>
+              <a:defRPr sz="1003"/>
             </a:lvl5pPr>
-            <a:lvl6pPr marL="1080135" indent="0">
-              <a:buNone/>
-              <a:defRPr sz="945"/>
+            <a:lvl6pPr marL="1146200" indent="0">
+              <a:buNone/>
+              <a:defRPr sz="1003"/>
             </a:lvl6pPr>
-            <a:lvl7pPr marL="1296162" indent="0">
-              <a:buNone/>
-              <a:defRPr sz="945"/>
+            <a:lvl7pPr marL="1375440" indent="0">
+              <a:buNone/>
+              <a:defRPr sz="1003"/>
             </a:lvl7pPr>
-            <a:lvl8pPr marL="1512189" indent="0">
-              <a:buNone/>
-              <a:defRPr sz="945"/>
+            <a:lvl8pPr marL="1604681" indent="0">
+              <a:buNone/>
+              <a:defRPr sz="1003"/>
             </a:lvl8pPr>
-            <a:lvl9pPr marL="1728216" indent="0">
-              <a:buNone/>
-              <a:defRPr sz="945"/>
+            <a:lvl9pPr marL="1833921" indent="0">
+              <a:buNone/>
+              <a:defRPr sz="1003"/>
             </a:lvl9pPr>
           </a:lstStyle>
           <a:p>
@@ -2280,8 +2285,8 @@
         </p:nvSpPr>
         <p:spPr>
           <a:xfrm>
-            <a:off x="839789" y="972026"/>
-            <a:ext cx="3932237" cy="1800799"/>
+            <a:off x="839789" y="1031557"/>
+            <a:ext cx="3932237" cy="1911088"/>
           </a:xfrm>
         </p:spPr>
         <p:txBody>
@@ -2289,39 +2294,39 @@
           <a:lstStyle>
             <a:lvl1pPr marL="0" indent="0">
               <a:buNone/>
-              <a:defRPr sz="756"/>
+              <a:defRPr sz="802"/>
             </a:lvl1pPr>
-            <a:lvl2pPr marL="216027" indent="0">
-              <a:buNone/>
-              <a:defRPr sz="662"/>
+            <a:lvl2pPr marL="229240" indent="0">
+              <a:buNone/>
+              <a:defRPr sz="702"/>
             </a:lvl2pPr>
-            <a:lvl3pPr marL="432054" indent="0">
-              <a:buNone/>
-              <a:defRPr sz="567"/>
+            <a:lvl3pPr marL="458480" indent="0">
+              <a:buNone/>
+              <a:defRPr sz="602"/>
             </a:lvl3pPr>
-            <a:lvl4pPr marL="648081" indent="0">
-              <a:buNone/>
-              <a:defRPr sz="472"/>
+            <a:lvl4pPr marL="687720" indent="0">
+              <a:buNone/>
+              <a:defRPr sz="501"/>
             </a:lvl4pPr>
-            <a:lvl5pPr marL="864108" indent="0">
-              <a:buNone/>
-              <a:defRPr sz="472"/>
+            <a:lvl5pPr marL="916960" indent="0">
+              <a:buNone/>
+              <a:defRPr sz="501"/>
             </a:lvl5pPr>
-            <a:lvl6pPr marL="1080135" indent="0">
-              <a:buNone/>
-              <a:defRPr sz="472"/>
+            <a:lvl6pPr marL="1146200" indent="0">
+              <a:buNone/>
+              <a:defRPr sz="501"/>
             </a:lvl6pPr>
-            <a:lvl7pPr marL="1296162" indent="0">
-              <a:buNone/>
-              <a:defRPr sz="472"/>
+            <a:lvl7pPr marL="1375440" indent="0">
+              <a:buNone/>
+              <a:defRPr sz="501"/>
             </a:lvl7pPr>
-            <a:lvl8pPr marL="1512189" indent="0">
-              <a:buNone/>
-              <a:defRPr sz="472"/>
+            <a:lvl8pPr marL="1604681" indent="0">
+              <a:buNone/>
+              <a:defRPr sz="501"/>
             </a:lvl8pPr>
-            <a:lvl9pPr marL="1728216" indent="0">
-              <a:buNone/>
-              <a:defRPr sz="472"/>
+            <a:lvl9pPr marL="1833921" indent="0">
+              <a:buNone/>
+              <a:defRPr sz="501"/>
             </a:lvl9pPr>
           </a:lstStyle>
           <a:p>
@@ -2350,7 +2355,7 @@
           <a:p>
             <a:fld id="{16C3BE31-E56C-4DBA-A8C3-091FF68120F9}" type="datetimeFigureOut">
               <a:rPr lang="zh-CN" altLang="en-US" smtClean="0"/>
-              <a:t>2022/5/19</a:t>
+              <a:t>2022/5/30</a:t>
             </a:fld>
             <a:endParaRPr lang="zh-CN" altLang="en-US"/>
           </a:p>
@@ -2401,7 +2406,7 @@
     </p:spTree>
     <p:extLst>
       <p:ext uri="{BB962C8B-B14F-4D97-AF65-F5344CB8AC3E}">
-        <p14:creationId xmlns:p14="http://schemas.microsoft.com/office/powerpoint/2010/main" val="2824377744"/>
+        <p14:creationId xmlns:p14="http://schemas.microsoft.com/office/powerpoint/2010/main" val="1359602986"/>
       </p:ext>
     </p:extLst>
   </p:cSld>
@@ -2445,8 +2450,8 @@
         </p:nvSpPr>
         <p:spPr>
           <a:xfrm>
-            <a:off x="838200" y="172505"/>
-            <a:ext cx="10515600" cy="626267"/>
+            <a:off x="838200" y="183070"/>
+            <a:ext cx="10515600" cy="664623"/>
           </a:xfrm>
           <a:prstGeom prst="rect">
             <a:avLst/>
@@ -2478,8 +2483,8 @@
         </p:nvSpPr>
         <p:spPr>
           <a:xfrm>
-            <a:off x="838200" y="862523"/>
-            <a:ext cx="10515600" cy="2055806"/>
+            <a:off x="838200" y="915348"/>
+            <a:ext cx="10515600" cy="2181713"/>
           </a:xfrm>
           <a:prstGeom prst="rect">
             <a:avLst/>
@@ -2540,8 +2545,8 @@
         </p:nvSpPr>
         <p:spPr>
           <a:xfrm>
-            <a:off x="838200" y="3003082"/>
-            <a:ext cx="2743200" cy="172505"/>
+            <a:off x="838200" y="3187003"/>
+            <a:ext cx="2743200" cy="183070"/>
           </a:xfrm>
           <a:prstGeom prst="rect">
             <a:avLst/>
@@ -2551,7 +2556,7 @@
           <a:bodyPr vert="horz" lIns="91440" tIns="45720" rIns="91440" bIns="45720" rtlCol="0" anchor="ctr"/>
           <a:lstStyle>
             <a:lvl1pPr algn="l">
-              <a:defRPr sz="567">
+              <a:defRPr sz="602">
                 <a:solidFill>
                   <a:schemeClr val="tx1">
                     <a:tint val="75000"/>
@@ -2563,7 +2568,7 @@
           <a:p>
             <a:fld id="{16C3BE31-E56C-4DBA-A8C3-091FF68120F9}" type="datetimeFigureOut">
               <a:rPr lang="zh-CN" altLang="en-US" smtClean="0"/>
-              <a:t>2022/5/19</a:t>
+              <a:t>2022/5/30</a:t>
             </a:fld>
             <a:endParaRPr lang="zh-CN" altLang="en-US"/>
           </a:p>
@@ -2581,8 +2586,8 @@
         </p:nvSpPr>
         <p:spPr>
           <a:xfrm>
-            <a:off x="4038600" y="3003082"/>
-            <a:ext cx="4114800" cy="172505"/>
+            <a:off x="4038600" y="3187003"/>
+            <a:ext cx="4114800" cy="183070"/>
           </a:xfrm>
           <a:prstGeom prst="rect">
             <a:avLst/>
@@ -2592,7 +2597,7 @@
           <a:bodyPr vert="horz" lIns="91440" tIns="45720" rIns="91440" bIns="45720" rtlCol="0" anchor="ctr"/>
           <a:lstStyle>
             <a:lvl1pPr algn="ctr">
-              <a:defRPr sz="567">
+              <a:defRPr sz="602">
                 <a:solidFill>
                   <a:schemeClr val="tx1">
                     <a:tint val="75000"/>
@@ -2618,8 +2623,8 @@
         </p:nvSpPr>
         <p:spPr>
           <a:xfrm>
-            <a:off x="8610600" y="3003082"/>
-            <a:ext cx="2743200" cy="172505"/>
+            <a:off x="8610600" y="3187003"/>
+            <a:ext cx="2743200" cy="183070"/>
           </a:xfrm>
           <a:prstGeom prst="rect">
             <a:avLst/>
@@ -2629,7 +2634,7 @@
           <a:bodyPr vert="horz" lIns="91440" tIns="45720" rIns="91440" bIns="45720" rtlCol="0" anchor="ctr"/>
           <a:lstStyle>
             <a:lvl1pPr algn="r">
-              <a:defRPr sz="567">
+              <a:defRPr sz="602">
                 <a:solidFill>
                   <a:schemeClr val="tx1">
                     <a:tint val="75000"/>
@@ -2650,27 +2655,27 @@
     </p:spTree>
     <p:extLst>
       <p:ext uri="{BB962C8B-B14F-4D97-AF65-F5344CB8AC3E}">
-        <p14:creationId xmlns:p14="http://schemas.microsoft.com/office/powerpoint/2010/main" val="1009278113"/>
+        <p14:creationId xmlns:p14="http://schemas.microsoft.com/office/powerpoint/2010/main" val="3752259533"/>
       </p:ext>
     </p:extLst>
   </p:cSld>
   <p:clrMap bg1="lt1" tx1="dk1" bg2="lt2" tx2="dk2" accent1="accent1" accent2="accent2" accent3="accent3" accent4="accent4" accent5="accent5" accent6="accent6" hlink="hlink" folHlink="folHlink"/>
   <p:sldLayoutIdLst>
-    <p:sldLayoutId id="2147483685" r:id="rId1"/>
-    <p:sldLayoutId id="2147483686" r:id="rId2"/>
-    <p:sldLayoutId id="2147483687" r:id="rId3"/>
-    <p:sldLayoutId id="2147483688" r:id="rId4"/>
-    <p:sldLayoutId id="2147483689" r:id="rId5"/>
-    <p:sldLayoutId id="2147483690" r:id="rId6"/>
-    <p:sldLayoutId id="2147483691" r:id="rId7"/>
-    <p:sldLayoutId id="2147483692" r:id="rId8"/>
-    <p:sldLayoutId id="2147483693" r:id="rId9"/>
-    <p:sldLayoutId id="2147483694" r:id="rId10"/>
-    <p:sldLayoutId id="2147483695" r:id="rId11"/>
+    <p:sldLayoutId id="2147483697" r:id="rId1"/>
+    <p:sldLayoutId id="2147483698" r:id="rId2"/>
+    <p:sldLayoutId id="2147483699" r:id="rId3"/>
+    <p:sldLayoutId id="2147483700" r:id="rId4"/>
+    <p:sldLayoutId id="2147483701" r:id="rId5"/>
+    <p:sldLayoutId id="2147483702" r:id="rId6"/>
+    <p:sldLayoutId id="2147483703" r:id="rId7"/>
+    <p:sldLayoutId id="2147483704" r:id="rId8"/>
+    <p:sldLayoutId id="2147483705" r:id="rId9"/>
+    <p:sldLayoutId id="2147483706" r:id="rId10"/>
+    <p:sldLayoutId id="2147483707" r:id="rId11"/>
   </p:sldLayoutIdLst>
   <p:txStyles>
     <p:titleStyle>
-      <a:lvl1pPr algn="l" defTabSz="432054" rtl="0" eaLnBrk="1" latinLnBrk="0" hangingPunct="1">
+      <a:lvl1pPr algn="l" defTabSz="458480" rtl="0" eaLnBrk="1" latinLnBrk="0" hangingPunct="1">
         <a:lnSpc>
           <a:spcPct val="90000"/>
         </a:lnSpc>
@@ -2678,7 +2683,7 @@
           <a:spcPct val="0"/>
         </a:spcBef>
         <a:buNone/>
-        <a:defRPr sz="2079" kern="1200">
+        <a:defRPr sz="2206" kern="1200">
           <a:solidFill>
             <a:schemeClr val="tx1"/>
           </a:solidFill>
@@ -2689,16 +2694,16 @@
       </a:lvl1pPr>
     </p:titleStyle>
     <p:bodyStyle>
-      <a:lvl1pPr marL="108014" indent="-108014" algn="l" defTabSz="432054" rtl="0" eaLnBrk="1" latinLnBrk="0" hangingPunct="1">
+      <a:lvl1pPr marL="114620" indent="-114620" algn="l" defTabSz="458480" rtl="0" eaLnBrk="1" latinLnBrk="0" hangingPunct="1">
         <a:lnSpc>
           <a:spcPct val="90000"/>
         </a:lnSpc>
         <a:spcBef>
-          <a:spcPts val="472"/>
+          <a:spcPts val="501"/>
         </a:spcBef>
         <a:buFont typeface="Arial" panose="020B0604020202020204" pitchFamily="34" charset="0"/>
         <a:buChar char="•"/>
-        <a:defRPr sz="1323" kern="1200">
+        <a:defRPr sz="1404" kern="1200">
           <a:solidFill>
             <a:schemeClr val="tx1"/>
           </a:solidFill>
@@ -2707,16 +2712,16 @@
           <a:cs typeface="+mn-cs"/>
         </a:defRPr>
       </a:lvl1pPr>
-      <a:lvl2pPr marL="324041" indent="-108014" algn="l" defTabSz="432054" rtl="0" eaLnBrk="1" latinLnBrk="0" hangingPunct="1">
+      <a:lvl2pPr marL="343860" indent="-114620" algn="l" defTabSz="458480" rtl="0" eaLnBrk="1" latinLnBrk="0" hangingPunct="1">
         <a:lnSpc>
           <a:spcPct val="90000"/>
         </a:lnSpc>
         <a:spcBef>
-          <a:spcPts val="236"/>
+          <a:spcPts val="251"/>
         </a:spcBef>
         <a:buFont typeface="Arial" panose="020B0604020202020204" pitchFamily="34" charset="0"/>
         <a:buChar char="•"/>
-        <a:defRPr sz="1134" kern="1200">
+        <a:defRPr sz="1203" kern="1200">
           <a:solidFill>
             <a:schemeClr val="tx1"/>
           </a:solidFill>
@@ -2725,16 +2730,16 @@
           <a:cs typeface="+mn-cs"/>
         </a:defRPr>
       </a:lvl2pPr>
-      <a:lvl3pPr marL="540068" indent="-108014" algn="l" defTabSz="432054" rtl="0" eaLnBrk="1" latinLnBrk="0" hangingPunct="1">
+      <a:lvl3pPr marL="573100" indent="-114620" algn="l" defTabSz="458480" rtl="0" eaLnBrk="1" latinLnBrk="0" hangingPunct="1">
         <a:lnSpc>
           <a:spcPct val="90000"/>
         </a:lnSpc>
         <a:spcBef>
-          <a:spcPts val="236"/>
+          <a:spcPts val="251"/>
         </a:spcBef>
         <a:buFont typeface="Arial" panose="020B0604020202020204" pitchFamily="34" charset="0"/>
         <a:buChar char="•"/>
-        <a:defRPr sz="945" kern="1200">
+        <a:defRPr sz="1003" kern="1200">
           <a:solidFill>
             <a:schemeClr val="tx1"/>
           </a:solidFill>
@@ -2743,16 +2748,16 @@
           <a:cs typeface="+mn-cs"/>
         </a:defRPr>
       </a:lvl3pPr>
-      <a:lvl4pPr marL="756095" indent="-108014" algn="l" defTabSz="432054" rtl="0" eaLnBrk="1" latinLnBrk="0" hangingPunct="1">
+      <a:lvl4pPr marL="802340" indent="-114620" algn="l" defTabSz="458480" rtl="0" eaLnBrk="1" latinLnBrk="0" hangingPunct="1">
         <a:lnSpc>
           <a:spcPct val="90000"/>
         </a:lnSpc>
         <a:spcBef>
-          <a:spcPts val="236"/>
+          <a:spcPts val="251"/>
         </a:spcBef>
         <a:buFont typeface="Arial" panose="020B0604020202020204" pitchFamily="34" charset="0"/>
         <a:buChar char="•"/>
-        <a:defRPr sz="851" kern="1200">
+        <a:defRPr sz="903" kern="1200">
           <a:solidFill>
             <a:schemeClr val="tx1"/>
           </a:solidFill>
@@ -2761,16 +2766,16 @@
           <a:cs typeface="+mn-cs"/>
         </a:defRPr>
       </a:lvl4pPr>
-      <a:lvl5pPr marL="972122" indent="-108014" algn="l" defTabSz="432054" rtl="0" eaLnBrk="1" latinLnBrk="0" hangingPunct="1">
+      <a:lvl5pPr marL="1031580" indent="-114620" algn="l" defTabSz="458480" rtl="0" eaLnBrk="1" latinLnBrk="0" hangingPunct="1">
         <a:lnSpc>
           <a:spcPct val="90000"/>
         </a:lnSpc>
         <a:spcBef>
-          <a:spcPts val="236"/>
+          <a:spcPts val="251"/>
         </a:spcBef>
         <a:buFont typeface="Arial" panose="020B0604020202020204" pitchFamily="34" charset="0"/>
         <a:buChar char="•"/>
-        <a:defRPr sz="851" kern="1200">
+        <a:defRPr sz="903" kern="1200">
           <a:solidFill>
             <a:schemeClr val="tx1"/>
           </a:solidFill>
@@ -2779,16 +2784,16 @@
           <a:cs typeface="+mn-cs"/>
         </a:defRPr>
       </a:lvl5pPr>
-      <a:lvl6pPr marL="1188149" indent="-108014" algn="l" defTabSz="432054" rtl="0" eaLnBrk="1" latinLnBrk="0" hangingPunct="1">
+      <a:lvl6pPr marL="1260820" indent="-114620" algn="l" defTabSz="458480" rtl="0" eaLnBrk="1" latinLnBrk="0" hangingPunct="1">
         <a:lnSpc>
           <a:spcPct val="90000"/>
         </a:lnSpc>
         <a:spcBef>
-          <a:spcPts val="236"/>
+          <a:spcPts val="251"/>
         </a:spcBef>
         <a:buFont typeface="Arial" panose="020B0604020202020204" pitchFamily="34" charset="0"/>
         <a:buChar char="•"/>
-        <a:defRPr sz="851" kern="1200">
+        <a:defRPr sz="903" kern="1200">
           <a:solidFill>
             <a:schemeClr val="tx1"/>
           </a:solidFill>
@@ -2797,16 +2802,16 @@
           <a:cs typeface="+mn-cs"/>
         </a:defRPr>
       </a:lvl6pPr>
-      <a:lvl7pPr marL="1404176" indent="-108014" algn="l" defTabSz="432054" rtl="0" eaLnBrk="1" latinLnBrk="0" hangingPunct="1">
+      <a:lvl7pPr marL="1490061" indent="-114620" algn="l" defTabSz="458480" rtl="0" eaLnBrk="1" latinLnBrk="0" hangingPunct="1">
         <a:lnSpc>
           <a:spcPct val="90000"/>
         </a:lnSpc>
         <a:spcBef>
-          <a:spcPts val="236"/>
+          <a:spcPts val="251"/>
         </a:spcBef>
         <a:buFont typeface="Arial" panose="020B0604020202020204" pitchFamily="34" charset="0"/>
         <a:buChar char="•"/>
-        <a:defRPr sz="851" kern="1200">
+        <a:defRPr sz="903" kern="1200">
           <a:solidFill>
             <a:schemeClr val="tx1"/>
           </a:solidFill>
@@ -2815,16 +2820,16 @@
           <a:cs typeface="+mn-cs"/>
         </a:defRPr>
       </a:lvl7pPr>
-      <a:lvl8pPr marL="1620203" indent="-108014" algn="l" defTabSz="432054" rtl="0" eaLnBrk="1" latinLnBrk="0" hangingPunct="1">
+      <a:lvl8pPr marL="1719301" indent="-114620" algn="l" defTabSz="458480" rtl="0" eaLnBrk="1" latinLnBrk="0" hangingPunct="1">
         <a:lnSpc>
           <a:spcPct val="90000"/>
         </a:lnSpc>
         <a:spcBef>
-          <a:spcPts val="236"/>
+          <a:spcPts val="251"/>
         </a:spcBef>
         <a:buFont typeface="Arial" panose="020B0604020202020204" pitchFamily="34" charset="0"/>
         <a:buChar char="•"/>
-        <a:defRPr sz="851" kern="1200">
+        <a:defRPr sz="903" kern="1200">
           <a:solidFill>
             <a:schemeClr val="tx1"/>
           </a:solidFill>
@@ -2833,16 +2838,16 @@
           <a:cs typeface="+mn-cs"/>
         </a:defRPr>
       </a:lvl8pPr>
-      <a:lvl9pPr marL="1836230" indent="-108014" algn="l" defTabSz="432054" rtl="0" eaLnBrk="1" latinLnBrk="0" hangingPunct="1">
+      <a:lvl9pPr marL="1948541" indent="-114620" algn="l" defTabSz="458480" rtl="0" eaLnBrk="1" latinLnBrk="0" hangingPunct="1">
         <a:lnSpc>
           <a:spcPct val="90000"/>
         </a:lnSpc>
         <a:spcBef>
-          <a:spcPts val="236"/>
+          <a:spcPts val="251"/>
         </a:spcBef>
         <a:buFont typeface="Arial" panose="020B0604020202020204" pitchFamily="34" charset="0"/>
         <a:buChar char="•"/>
-        <a:defRPr sz="851" kern="1200">
+        <a:defRPr sz="903" kern="1200">
           <a:solidFill>
             <a:schemeClr val="tx1"/>
           </a:solidFill>
@@ -2856,8 +2861,8 @@
       <a:defPPr>
         <a:defRPr lang="en-US"/>
       </a:defPPr>
-      <a:lvl1pPr marL="0" algn="l" defTabSz="432054" rtl="0" eaLnBrk="1" latinLnBrk="0" hangingPunct="1">
-        <a:defRPr sz="851" kern="1200">
+      <a:lvl1pPr marL="0" algn="l" defTabSz="458480" rtl="0" eaLnBrk="1" latinLnBrk="0" hangingPunct="1">
+        <a:defRPr sz="903" kern="1200">
           <a:solidFill>
             <a:schemeClr val="tx1"/>
           </a:solidFill>
@@ -2866,8 +2871,8 @@
           <a:cs typeface="+mn-cs"/>
         </a:defRPr>
       </a:lvl1pPr>
-      <a:lvl2pPr marL="216027" algn="l" defTabSz="432054" rtl="0" eaLnBrk="1" latinLnBrk="0" hangingPunct="1">
-        <a:defRPr sz="851" kern="1200">
+      <a:lvl2pPr marL="229240" algn="l" defTabSz="458480" rtl="0" eaLnBrk="1" latinLnBrk="0" hangingPunct="1">
+        <a:defRPr sz="903" kern="1200">
           <a:solidFill>
             <a:schemeClr val="tx1"/>
           </a:solidFill>
@@ -2876,8 +2881,8 @@
           <a:cs typeface="+mn-cs"/>
         </a:defRPr>
       </a:lvl2pPr>
-      <a:lvl3pPr marL="432054" algn="l" defTabSz="432054" rtl="0" eaLnBrk="1" latinLnBrk="0" hangingPunct="1">
-        <a:defRPr sz="851" kern="1200">
+      <a:lvl3pPr marL="458480" algn="l" defTabSz="458480" rtl="0" eaLnBrk="1" latinLnBrk="0" hangingPunct="1">
+        <a:defRPr sz="903" kern="1200">
           <a:solidFill>
             <a:schemeClr val="tx1"/>
           </a:solidFill>
@@ -2886,8 +2891,8 @@
           <a:cs typeface="+mn-cs"/>
         </a:defRPr>
       </a:lvl3pPr>
-      <a:lvl4pPr marL="648081" algn="l" defTabSz="432054" rtl="0" eaLnBrk="1" latinLnBrk="0" hangingPunct="1">
-        <a:defRPr sz="851" kern="1200">
+      <a:lvl4pPr marL="687720" algn="l" defTabSz="458480" rtl="0" eaLnBrk="1" latinLnBrk="0" hangingPunct="1">
+        <a:defRPr sz="903" kern="1200">
           <a:solidFill>
             <a:schemeClr val="tx1"/>
           </a:solidFill>
@@ -2896,8 +2901,8 @@
           <a:cs typeface="+mn-cs"/>
         </a:defRPr>
       </a:lvl4pPr>
-      <a:lvl5pPr marL="864108" algn="l" defTabSz="432054" rtl="0" eaLnBrk="1" latinLnBrk="0" hangingPunct="1">
-        <a:defRPr sz="851" kern="1200">
+      <a:lvl5pPr marL="916960" algn="l" defTabSz="458480" rtl="0" eaLnBrk="1" latinLnBrk="0" hangingPunct="1">
+        <a:defRPr sz="903" kern="1200">
           <a:solidFill>
             <a:schemeClr val="tx1"/>
           </a:solidFill>
@@ -2906,8 +2911,8 @@
           <a:cs typeface="+mn-cs"/>
         </a:defRPr>
       </a:lvl5pPr>
-      <a:lvl6pPr marL="1080135" algn="l" defTabSz="432054" rtl="0" eaLnBrk="1" latinLnBrk="0" hangingPunct="1">
-        <a:defRPr sz="851" kern="1200">
+      <a:lvl6pPr marL="1146200" algn="l" defTabSz="458480" rtl="0" eaLnBrk="1" latinLnBrk="0" hangingPunct="1">
+        <a:defRPr sz="903" kern="1200">
           <a:solidFill>
             <a:schemeClr val="tx1"/>
           </a:solidFill>
@@ -2916,8 +2921,8 @@
           <a:cs typeface="+mn-cs"/>
         </a:defRPr>
       </a:lvl6pPr>
-      <a:lvl7pPr marL="1296162" algn="l" defTabSz="432054" rtl="0" eaLnBrk="1" latinLnBrk="0" hangingPunct="1">
-        <a:defRPr sz="851" kern="1200">
+      <a:lvl7pPr marL="1375440" algn="l" defTabSz="458480" rtl="0" eaLnBrk="1" latinLnBrk="0" hangingPunct="1">
+        <a:defRPr sz="903" kern="1200">
           <a:solidFill>
             <a:schemeClr val="tx1"/>
           </a:solidFill>
@@ -2926,8 +2931,8 @@
           <a:cs typeface="+mn-cs"/>
         </a:defRPr>
       </a:lvl7pPr>
-      <a:lvl8pPr marL="1512189" algn="l" defTabSz="432054" rtl="0" eaLnBrk="1" latinLnBrk="0" hangingPunct="1">
-        <a:defRPr sz="851" kern="1200">
+      <a:lvl8pPr marL="1604681" algn="l" defTabSz="458480" rtl="0" eaLnBrk="1" latinLnBrk="0" hangingPunct="1">
+        <a:defRPr sz="903" kern="1200">
           <a:solidFill>
             <a:schemeClr val="tx1"/>
           </a:solidFill>
@@ -2936,8 +2941,8 @@
           <a:cs typeface="+mn-cs"/>
         </a:defRPr>
       </a:lvl8pPr>
-      <a:lvl9pPr marL="1728216" algn="l" defTabSz="432054" rtl="0" eaLnBrk="1" latinLnBrk="0" hangingPunct="1">
-        <a:defRPr sz="851" kern="1200">
+      <a:lvl9pPr marL="1833921" algn="l" defTabSz="458480" rtl="0" eaLnBrk="1" latinLnBrk="0" hangingPunct="1">
+        <a:defRPr sz="903" kern="1200">
           <a:solidFill>
             <a:schemeClr val="tx1"/>
           </a:solidFill>
@@ -2970,10 +2975,10 @@
       </p:grpSpPr>
       <p:pic>
         <p:nvPicPr>
-          <p:cNvPr id="5" name="图片 4">
+          <p:cNvPr id="13" name="图片 12">
             <a:extLst>
               <a:ext uri="{FF2B5EF4-FFF2-40B4-BE49-F238E27FC236}">
-                <a16:creationId xmlns:a16="http://schemas.microsoft.com/office/drawing/2014/main" id="{B4F3C315-7A6A-0A8B-901C-3A44AAE12791}"/>
+                <a16:creationId xmlns:a16="http://schemas.microsoft.com/office/drawing/2014/main" id="{516E0471-BDC4-0D37-F600-196687849454}"/>
               </a:ext>
             </a:extLst>
           </p:cNvPr>
@@ -2990,8 +2995,8 @@
         </p:blipFill>
         <p:spPr>
           <a:xfrm>
-            <a:off x="0" y="0"/>
-            <a:ext cx="3697585" cy="2898775"/>
+            <a:off x="8315164" y="5716"/>
+            <a:ext cx="3876836" cy="3070592"/>
           </a:xfrm>
           <a:prstGeom prst="rect">
             <a:avLst/>
@@ -3000,10 +3005,10 @@
       </p:pic>
       <p:pic>
         <p:nvPicPr>
-          <p:cNvPr id="7" name="图片 6">
+          <p:cNvPr id="6" name="图片 5">
             <a:extLst>
               <a:ext uri="{FF2B5EF4-FFF2-40B4-BE49-F238E27FC236}">
-                <a16:creationId xmlns:a16="http://schemas.microsoft.com/office/drawing/2014/main" id="{45D8DFC4-3EBE-2DDA-9E2E-1034D3FF996B}"/>
+                <a16:creationId xmlns:a16="http://schemas.microsoft.com/office/drawing/2014/main" id="{19F65F74-BFD5-CF1B-FB5F-78C7F1665D38}"/>
               </a:ext>
             </a:extLst>
           </p:cNvPr>
@@ -3020,8 +3025,8 @@
         </p:blipFill>
         <p:spPr>
           <a:xfrm>
-            <a:off x="4241940" y="0"/>
-            <a:ext cx="3708119" cy="2898775"/>
+            <a:off x="4181184" y="5716"/>
+            <a:ext cx="3876836" cy="3070592"/>
           </a:xfrm>
           <a:prstGeom prst="rect">
             <a:avLst/>
@@ -3030,10 +3035,10 @@
       </p:pic>
       <p:pic>
         <p:nvPicPr>
-          <p:cNvPr id="9" name="图片 8">
+          <p:cNvPr id="3" name="图片 2">
             <a:extLst>
               <a:ext uri="{FF2B5EF4-FFF2-40B4-BE49-F238E27FC236}">
-                <a16:creationId xmlns:a16="http://schemas.microsoft.com/office/drawing/2014/main" id="{627E121F-5B81-FD10-A671-2E220A691045}"/>
+                <a16:creationId xmlns:a16="http://schemas.microsoft.com/office/drawing/2014/main" id="{75E3A1C7-F177-C831-E062-461B17323D29}"/>
               </a:ext>
             </a:extLst>
           </p:cNvPr>
@@ -3050,8 +3055,8 @@
         </p:blipFill>
         <p:spPr>
           <a:xfrm>
-            <a:off x="8494414" y="0"/>
-            <a:ext cx="3697585" cy="2898775"/>
+            <a:off x="0" y="0"/>
+            <a:ext cx="3924040" cy="3076308"/>
           </a:xfrm>
           <a:prstGeom prst="rect">
             <a:avLst/>
@@ -3072,8 +3077,8 @@
         </p:nvSpPr>
         <p:spPr>
           <a:xfrm>
-            <a:off x="1436915" y="2852943"/>
-            <a:ext cx="949299" cy="338554"/>
+            <a:off x="1659855" y="3027669"/>
+            <a:ext cx="995785" cy="353623"/>
           </a:xfrm>
           <a:prstGeom prst="rect">
             <a:avLst/>
@@ -3087,13 +3092,13 @@
           <a:lstStyle/>
           <a:p>
             <a:r>
-              <a:rPr lang="en-US" altLang="zh-CN" sz="1600" b="1" dirty="0">
+              <a:rPr lang="en-US" altLang="zh-CN" sz="1698" b="1" dirty="0">
                 <a:latin typeface="Arial" panose="020B0604020202020204" pitchFamily="34" charset="0"/>
                 <a:cs typeface="Arial" panose="020B0604020202020204" pitchFamily="34" charset="0"/>
               </a:rPr>
               <a:t>(a) ROC</a:t>
             </a:r>
-            <a:endParaRPr lang="zh-CN" altLang="en-US" sz="1600" b="1" dirty="0">
+            <a:endParaRPr lang="zh-CN" altLang="en-US" sz="1698" b="1" dirty="0">
               <a:latin typeface="Arial" panose="020B0604020202020204" pitchFamily="34" charset="0"/>
               <a:cs typeface="Arial" panose="020B0604020202020204" pitchFamily="34" charset="0"/>
             </a:endParaRPr>
@@ -3116,8 +3121,8 @@
             </p:nvSpPr>
             <p:spPr>
               <a:xfrm>
-                <a:off x="5959435" y="2852943"/>
-                <a:ext cx="1029641" cy="338554"/>
+                <a:off x="5883054" y="3027668"/>
+                <a:ext cx="1076770" cy="353623"/>
               </a:xfrm>
               <a:prstGeom prst="rect">
                 <a:avLst/>
@@ -3131,7 +3136,7 @@
               <a:lstStyle/>
               <a:p>
                 <a:r>
-                  <a:rPr lang="en-US" altLang="zh-CN" sz="1600" b="1" dirty="0">
+                  <a:rPr lang="en-US" altLang="zh-CN" sz="1698" b="1" dirty="0">
                     <a:latin typeface="Arial" panose="020B0604020202020204" pitchFamily="34" charset="0"/>
                     <a:cs typeface="Arial" panose="020B0604020202020204" pitchFamily="34" charset="0"/>
                   </a:rPr>
@@ -3140,21 +3145,21 @@
                 <a14:m>
                   <m:oMath xmlns:m="http://schemas.openxmlformats.org/officeDocument/2006/math">
                     <m:r>
-                      <a:rPr lang="en-US" altLang="zh-CN" sz="1600" b="1" i="1" dirty="0" smtClean="0">
+                      <a:rPr lang="en-US" altLang="zh-CN" sz="1698" b="1" i="1" dirty="0">
                         <a:latin typeface="Cambria Math" panose="02040503050406030204" pitchFamily="18" charset="0"/>
                         <a:cs typeface="Arial" panose="020B0604020202020204" pitchFamily="34" charset="0"/>
                       </a:rPr>
                       <m:t>𝒏</m:t>
                     </m:r>
                     <m:r>
-                      <a:rPr lang="en-US" altLang="zh-CN" sz="1600" b="1" i="1" dirty="0" smtClean="0">
+                      <a:rPr lang="en-US" altLang="zh-CN" sz="1698" b="1" i="1" dirty="0">
                         <a:latin typeface="Cambria Math" panose="02040503050406030204" pitchFamily="18" charset="0"/>
                         <a:cs typeface="Arial" panose="020B0604020202020204" pitchFamily="34" charset="0"/>
                       </a:rPr>
                       <m:t>=</m:t>
                     </m:r>
                     <m:r>
-                      <a:rPr lang="en-US" altLang="zh-CN" sz="1600" b="1" i="1" dirty="0" smtClean="0">
+                      <a:rPr lang="en-US" altLang="zh-CN" sz="1698" b="1" i="1" dirty="0">
                         <a:latin typeface="Cambria Math" panose="02040503050406030204" pitchFamily="18" charset="0"/>
                         <a:cs typeface="Arial" panose="020B0604020202020204" pitchFamily="34" charset="0"/>
                       </a:rPr>
@@ -3162,7 +3167,7 @@
                     </m:r>
                   </m:oMath>
                 </a14:m>
-                <a:endParaRPr lang="zh-CN" altLang="en-US" sz="1600" b="1" dirty="0">
+                <a:endParaRPr lang="zh-CN" altLang="en-US" sz="1698" b="1" dirty="0">
                   <a:latin typeface="Arial" panose="020B0604020202020204" pitchFamily="34" charset="0"/>
                   <a:cs typeface="Arial" panose="020B0604020202020204" pitchFamily="34" charset="0"/>
                 </a:endParaRPr>
@@ -3187,8 +3192,8 @@
             </p:nvSpPr>
             <p:spPr>
               <a:xfrm>
-                <a:off x="5959435" y="2852943"/>
-                <a:ext cx="1029641" cy="338554"/>
+                <a:off x="5883054" y="3027668"/>
+                <a:ext cx="1076770" cy="353623"/>
               </a:xfrm>
               <a:prstGeom prst="rect">
                 <a:avLst/>
@@ -3196,7 +3201,7 @@
               <a:blipFill>
                 <a:blip r:embed="rId5"/>
                 <a:stretch>
-                  <a:fillRect l="-3550" t="-5357" b="-21429"/>
+                  <a:fillRect l="-3390" t="-6897" b="-22414"/>
                 </a:stretch>
               </a:blipFill>
             </p:spPr>
@@ -3231,8 +3236,8 @@
             </p:nvSpPr>
             <p:spPr>
               <a:xfrm>
-                <a:off x="10047476" y="2852943"/>
-                <a:ext cx="1153073" cy="338554"/>
+                <a:off x="9934449" y="3025679"/>
+                <a:ext cx="1195392" cy="353623"/>
               </a:xfrm>
               <a:prstGeom prst="rect">
                 <a:avLst/>
@@ -3246,30 +3251,30 @@
               <a:lstStyle/>
               <a:p>
                 <a:r>
-                  <a:rPr lang="en-US" altLang="zh-CN" sz="1600" b="1" dirty="0">
+                  <a:rPr lang="en-US" altLang="zh-CN" sz="1698" b="1" dirty="0">
                     <a:latin typeface="Arial" panose="020B0604020202020204" pitchFamily="34" charset="0"/>
                     <a:cs typeface="Arial" panose="020B0604020202020204" pitchFamily="34" charset="0"/>
                   </a:rPr>
-                  <a:t>(b) </a:t>
+                  <a:t>(c) </a:t>
                 </a:r>
                 <a14:m>
                   <m:oMath xmlns:m="http://schemas.openxmlformats.org/officeDocument/2006/math">
                     <m:r>
-                      <a:rPr lang="en-US" altLang="zh-CN" sz="1600" b="1" i="1" dirty="0" smtClean="0">
+                      <a:rPr lang="en-US" altLang="zh-CN" sz="1698" b="1" i="1" dirty="0">
                         <a:latin typeface="Cambria Math" panose="02040503050406030204" pitchFamily="18" charset="0"/>
                         <a:cs typeface="Arial" panose="020B0604020202020204" pitchFamily="34" charset="0"/>
                       </a:rPr>
                       <m:t>𝒏</m:t>
                     </m:r>
                     <m:r>
-                      <a:rPr lang="en-US" altLang="zh-CN" sz="1600" b="1" i="1" dirty="0" smtClean="0">
+                      <a:rPr lang="en-US" altLang="zh-CN" sz="1698" b="1" i="1" dirty="0">
                         <a:latin typeface="Cambria Math" panose="02040503050406030204" pitchFamily="18" charset="0"/>
                         <a:cs typeface="Arial" panose="020B0604020202020204" pitchFamily="34" charset="0"/>
                       </a:rPr>
                       <m:t>=</m:t>
                     </m:r>
                     <m:r>
-                      <a:rPr lang="en-US" altLang="zh-CN" sz="1600" b="1" i="1" dirty="0" smtClean="0">
+                      <a:rPr lang="en-US" altLang="zh-CN" sz="1698" b="1" i="1" dirty="0">
                         <a:latin typeface="Cambria Math" panose="02040503050406030204" pitchFamily="18" charset="0"/>
                         <a:cs typeface="Arial" panose="020B0604020202020204" pitchFamily="34" charset="0"/>
                       </a:rPr>
@@ -3277,7 +3282,7 @@
                     </m:r>
                   </m:oMath>
                 </a14:m>
-                <a:endParaRPr lang="zh-CN" altLang="en-US" sz="1600" b="1" dirty="0">
+                <a:endParaRPr lang="zh-CN" altLang="en-US" sz="1698" b="1" dirty="0">
                   <a:latin typeface="Arial" panose="020B0604020202020204" pitchFamily="34" charset="0"/>
                   <a:cs typeface="Arial" panose="020B0604020202020204" pitchFamily="34" charset="0"/>
                 </a:endParaRPr>
@@ -3302,8 +3307,8 @@
             </p:nvSpPr>
             <p:spPr>
               <a:xfrm>
-                <a:off x="10047476" y="2852943"/>
-                <a:ext cx="1153073" cy="338554"/>
+                <a:off x="9934449" y="3025679"/>
+                <a:ext cx="1195392" cy="353623"/>
               </a:xfrm>
               <a:prstGeom prst="rect">
                 <a:avLst/>
@@ -3311,7 +3316,7 @@
               <a:blipFill>
                 <a:blip r:embed="rId6"/>
                 <a:stretch>
-                  <a:fillRect l="-2646" t="-5357" b="-21429"/>
+                  <a:fillRect l="-3571" t="-5172" b="-22414"/>
                 </a:stretch>
               </a:blipFill>
             </p:spPr>
